--- a/Presentation.pptx
+++ b/Presentation.pptx
@@ -17,9 +17,8 @@
     <p:sldId id="264" r:id="rId11"/>
     <p:sldId id="265" r:id="rId12"/>
     <p:sldId id="266" r:id="rId13"/>
-    <p:sldId id="267" r:id="rId14"/>
-    <p:sldId id="268" r:id="rId15"/>
-    <p:sldId id="269" r:id="rId16"/>
+    <p:sldId id="268" r:id="rId14"/>
+    <p:sldId id="269" r:id="rId15"/>
   </p:sldIdLst>
   <p:sldSz cx="12192000" cy="6858000"/>
   <p:notesSz cx="6858000" cy="9144000"/>
@@ -3460,43 +3459,52 @@
             <p:ph type="title"/>
           </p:nvPr>
         </p:nvSpPr>
-        <p:spPr/>
+        <p:spPr>
+          <a:xfrm>
+            <a:off x="838200" y="365125"/>
+            <a:ext cx="3287233" cy="3228680"/>
+          </a:xfrm>
+        </p:spPr>
         <p:txBody>
           <a:bodyPr/>
           <a:lstStyle/>
           <a:p>
             <a:r>
               <a:rPr lang="en-US" dirty="0"/>
-              <a:t>Wireframes (3-6 slides)</a:t>
-            </a:r>
-          </a:p>
-        </p:txBody>
-      </p:sp>
-      <p:sp>
-        <p:nvSpPr>
-          <p:cNvPr id="3" name="Content Placeholder 2">
-            <a:extLst>
-              <a:ext uri="{FF2B5EF4-FFF2-40B4-BE49-F238E27FC236}">
-                <a16:creationId xmlns:a16="http://schemas.microsoft.com/office/drawing/2014/main" id="{D8270BF5-1DEC-65BF-CCEC-50C9DC92185B}"/>
-              </a:ext>
-            </a:extLst>
-          </p:cNvPr>
-          <p:cNvSpPr>
-            <a:spLocks noGrp="1"/>
-          </p:cNvSpPr>
+              <a:t>Wireframes - Explore</a:t>
+            </a:r>
+          </a:p>
+        </p:txBody>
+      </p:sp>
+      <p:pic>
+        <p:nvPicPr>
+          <p:cNvPr id="5" name="Content Placeholder 4">
+            <a:extLst>
+              <a:ext uri="{FF2B5EF4-FFF2-40B4-BE49-F238E27FC236}">
+                <a16:creationId xmlns:a16="http://schemas.microsoft.com/office/drawing/2014/main" id="{FB39AAF7-C334-82CC-6E5A-2D26209B009B}"/>
+              </a:ext>
+            </a:extLst>
+          </p:cNvPr>
+          <p:cNvPicPr>
+            <a:picLocks noGrp="1" noChangeAspect="1"/>
+          </p:cNvPicPr>
           <p:nvPr>
             <p:ph idx="1"/>
           </p:nvPr>
-        </p:nvSpPr>
-        <p:spPr/>
-        <p:txBody>
-          <a:bodyPr/>
-          <a:lstStyle/>
-          <a:p>
-            <a:endParaRPr lang="en-US"/>
-          </a:p>
-        </p:txBody>
-      </p:sp>
+        </p:nvPicPr>
+        <p:blipFill>
+          <a:blip r:embed="rId2"/>
+          <a:stretch>
+            <a:fillRect/>
+          </a:stretch>
+        </p:blipFill>
+        <p:spPr>
+          <a:xfrm>
+            <a:off x="4480933" y="0"/>
+            <a:ext cx="7711067" cy="6858000"/>
+          </a:xfrm>
+        </p:spPr>
+      </p:pic>
     </p:spTree>
     <p:extLst>
       <p:ext uri="{BB962C8B-B14F-4D97-AF65-F5344CB8AC3E}">
@@ -3543,43 +3551,90 @@
             <p:ph type="title"/>
           </p:nvPr>
         </p:nvSpPr>
-        <p:spPr/>
+        <p:spPr>
+          <a:xfrm>
+            <a:off x="0" y="19842"/>
+            <a:ext cx="10515600" cy="1325563"/>
+          </a:xfrm>
+        </p:spPr>
         <p:txBody>
           <a:bodyPr/>
           <a:lstStyle/>
           <a:p>
             <a:r>
               <a:rPr lang="en-US" dirty="0"/>
-              <a:t>Wireframes (3-6 slides)</a:t>
-            </a:r>
-          </a:p>
-        </p:txBody>
-      </p:sp>
-      <p:sp>
-        <p:nvSpPr>
-          <p:cNvPr id="3" name="Content Placeholder 2">
-            <a:extLst>
-              <a:ext uri="{FF2B5EF4-FFF2-40B4-BE49-F238E27FC236}">
-                <a16:creationId xmlns:a16="http://schemas.microsoft.com/office/drawing/2014/main" id="{7422D5DC-07DB-D1AF-7A37-49B12EEAAD8B}"/>
-              </a:ext>
-            </a:extLst>
-          </p:cNvPr>
-          <p:cNvSpPr>
-            <a:spLocks noGrp="1"/>
-          </p:cNvSpPr>
+              <a:t>Wireframes – Write review</a:t>
+            </a:r>
+          </a:p>
+        </p:txBody>
+      </p:sp>
+      <p:pic>
+        <p:nvPicPr>
+          <p:cNvPr id="9" name="Content Placeholder 8">
+            <a:extLst>
+              <a:ext uri="{FF2B5EF4-FFF2-40B4-BE49-F238E27FC236}">
+                <a16:creationId xmlns:a16="http://schemas.microsoft.com/office/drawing/2014/main" id="{2B39F5DA-D2BE-630E-32F3-11B625C97ED2}"/>
+              </a:ext>
+            </a:extLst>
+          </p:cNvPr>
+          <p:cNvPicPr>
+            <a:picLocks noGrp="1" noChangeAspect="1"/>
+          </p:cNvPicPr>
           <p:nvPr>
             <p:ph idx="1"/>
           </p:nvPr>
-        </p:nvSpPr>
-        <p:spPr/>
-        <p:txBody>
-          <a:bodyPr/>
-          <a:lstStyle/>
-          <a:p>
-            <a:endParaRPr lang="en-US"/>
-          </a:p>
-        </p:txBody>
-      </p:sp>
+        </p:nvPicPr>
+        <p:blipFill rotWithShape="1">
+          <a:blip r:embed="rId2"/>
+          <a:srcRect b="51076"/>
+          <a:stretch/>
+        </p:blipFill>
+        <p:spPr>
+          <a:xfrm>
+            <a:off x="322262" y="1005940"/>
+            <a:ext cx="5200650" cy="5830331"/>
+          </a:xfrm>
+          <a:ln>
+            <a:solidFill>
+              <a:schemeClr val="tx1"/>
+            </a:solidFill>
+          </a:ln>
+        </p:spPr>
+      </p:pic>
+      <p:pic>
+        <p:nvPicPr>
+          <p:cNvPr id="11" name="Picture 10">
+            <a:extLst>
+              <a:ext uri="{FF2B5EF4-FFF2-40B4-BE49-F238E27FC236}">
+                <a16:creationId xmlns:a16="http://schemas.microsoft.com/office/drawing/2014/main" id="{E78C8C52-C72A-E4AD-C719-CD4C0E680C77}"/>
+              </a:ext>
+            </a:extLst>
+          </p:cNvPr>
+          <p:cNvPicPr>
+            <a:picLocks noChangeAspect="1"/>
+          </p:cNvPicPr>
+          <p:nvPr/>
+        </p:nvPicPr>
+        <p:blipFill rotWithShape="1">
+          <a:blip r:embed="rId2"/>
+          <a:srcRect t="49062"/>
+          <a:stretch/>
+        </p:blipFill>
+        <p:spPr>
+          <a:xfrm>
+            <a:off x="6423025" y="1008588"/>
+            <a:ext cx="4992688" cy="5827683"/>
+          </a:xfrm>
+          <a:prstGeom prst="rect">
+            <a:avLst/>
+          </a:prstGeom>
+          <a:ln>
+            <a:solidFill>
+              <a:schemeClr val="tx1"/>
+            </a:solidFill>
+          </a:ln>
+        </p:spPr>
+      </p:pic>
     </p:spTree>
     <p:extLst>
       <p:ext uri="{BB962C8B-B14F-4D97-AF65-F5344CB8AC3E}">
@@ -3626,43 +3681,52 @@
             <p:ph type="title"/>
           </p:nvPr>
         </p:nvSpPr>
-        <p:spPr/>
+        <p:spPr>
+          <a:xfrm>
+            <a:off x="838200" y="365125"/>
+            <a:ext cx="3436088" cy="4653442"/>
+          </a:xfrm>
+        </p:spPr>
         <p:txBody>
           <a:bodyPr/>
           <a:lstStyle/>
           <a:p>
             <a:r>
               <a:rPr lang="en-US" dirty="0"/>
-              <a:t>Wireframes (3-6 slides)</a:t>
-            </a:r>
-          </a:p>
-        </p:txBody>
-      </p:sp>
-      <p:sp>
-        <p:nvSpPr>
-          <p:cNvPr id="3" name="Content Placeholder 2">
-            <a:extLst>
-              <a:ext uri="{FF2B5EF4-FFF2-40B4-BE49-F238E27FC236}">
-                <a16:creationId xmlns:a16="http://schemas.microsoft.com/office/drawing/2014/main" id="{169CD03D-3E58-A2B2-1D83-6BB57AA1F4FA}"/>
-              </a:ext>
-            </a:extLst>
-          </p:cNvPr>
-          <p:cNvSpPr>
-            <a:spLocks noGrp="1"/>
-          </p:cNvSpPr>
+              <a:t>Wireframes – User Profile</a:t>
+            </a:r>
+          </a:p>
+        </p:txBody>
+      </p:sp>
+      <p:pic>
+        <p:nvPicPr>
+          <p:cNvPr id="5" name="Content Placeholder 4">
+            <a:extLst>
+              <a:ext uri="{FF2B5EF4-FFF2-40B4-BE49-F238E27FC236}">
+                <a16:creationId xmlns:a16="http://schemas.microsoft.com/office/drawing/2014/main" id="{B9D3AE04-E7B7-AF35-23B7-A87464108FBD}"/>
+              </a:ext>
+            </a:extLst>
+          </p:cNvPr>
+          <p:cNvPicPr>
+            <a:picLocks noGrp="1" noChangeAspect="1"/>
+          </p:cNvPicPr>
           <p:nvPr>
             <p:ph idx="1"/>
           </p:nvPr>
-        </p:nvSpPr>
-        <p:spPr/>
-        <p:txBody>
-          <a:bodyPr/>
-          <a:lstStyle/>
-          <a:p>
-            <a:endParaRPr lang="en-US"/>
-          </a:p>
-        </p:txBody>
-      </p:sp>
+        </p:nvPicPr>
+        <p:blipFill>
+          <a:blip r:embed="rId2"/>
+          <a:stretch>
+            <a:fillRect/>
+          </a:stretch>
+        </p:blipFill>
+        <p:spPr>
+          <a:xfrm>
+            <a:off x="4742121" y="0"/>
+            <a:ext cx="7449879" cy="6860320"/>
+          </a:xfrm>
+        </p:spPr>
+      </p:pic>
     </p:spTree>
     <p:extLst>
       <p:ext uri="{BB962C8B-B14F-4D97-AF65-F5344CB8AC3E}">
@@ -3698,89 +3762,6 @@
           <p:cNvPr id="2" name="Title 1">
             <a:extLst>
               <a:ext uri="{FF2B5EF4-FFF2-40B4-BE49-F238E27FC236}">
-                <a16:creationId xmlns:a16="http://schemas.microsoft.com/office/drawing/2014/main" id="{15E31A2D-27E8-9ABD-295B-2857079F19C8}"/>
-              </a:ext>
-            </a:extLst>
-          </p:cNvPr>
-          <p:cNvSpPr>
-            <a:spLocks noGrp="1"/>
-          </p:cNvSpPr>
-          <p:nvPr>
-            <p:ph type="title"/>
-          </p:nvPr>
-        </p:nvSpPr>
-        <p:spPr/>
-        <p:txBody>
-          <a:bodyPr/>
-          <a:lstStyle/>
-          <a:p>
-            <a:r>
-              <a:rPr lang="en-US" dirty="0"/>
-              <a:t>Wireframes (3-6 slides)</a:t>
-            </a:r>
-          </a:p>
-        </p:txBody>
-      </p:sp>
-      <p:sp>
-        <p:nvSpPr>
-          <p:cNvPr id="3" name="Content Placeholder 2">
-            <a:extLst>
-              <a:ext uri="{FF2B5EF4-FFF2-40B4-BE49-F238E27FC236}">
-                <a16:creationId xmlns:a16="http://schemas.microsoft.com/office/drawing/2014/main" id="{5AB846A5-1A19-DB84-40AB-AAAF240F9DAF}"/>
-              </a:ext>
-            </a:extLst>
-          </p:cNvPr>
-          <p:cNvSpPr>
-            <a:spLocks noGrp="1"/>
-          </p:cNvSpPr>
-          <p:nvPr>
-            <p:ph idx="1"/>
-          </p:nvPr>
-        </p:nvSpPr>
-        <p:spPr/>
-        <p:txBody>
-          <a:bodyPr/>
-          <a:lstStyle/>
-          <a:p>
-            <a:endParaRPr lang="en-US"/>
-          </a:p>
-        </p:txBody>
-      </p:sp>
-    </p:spTree>
-    <p:extLst>
-      <p:ext uri="{BB962C8B-B14F-4D97-AF65-F5344CB8AC3E}">
-        <p14:creationId xmlns:p14="http://schemas.microsoft.com/office/powerpoint/2010/main" val="2552258701"/>
-      </p:ext>
-    </p:extLst>
-  </p:cSld>
-  <p:clrMapOvr>
-    <a:masterClrMapping/>
-  </p:clrMapOvr>
-</p:sld>
-</file>
-
-<file path=ppt/slides/slide14.xml><?xml version="1.0" encoding="utf-8"?>
-<p:sld xmlns:a="http://schemas.openxmlformats.org/drawingml/2006/main" xmlns:r="http://schemas.openxmlformats.org/officeDocument/2006/relationships" xmlns:p="http://schemas.openxmlformats.org/presentationml/2006/main">
-  <p:cSld>
-    <p:spTree>
-      <p:nvGrpSpPr>
-        <p:cNvPr id="1" name=""/>
-        <p:cNvGrpSpPr/>
-        <p:nvPr/>
-      </p:nvGrpSpPr>
-      <p:grpSpPr>
-        <a:xfrm>
-          <a:off x="0" y="0"/>
-          <a:ext cx="0" cy="0"/>
-          <a:chOff x="0" y="0"/>
-          <a:chExt cx="0" cy="0"/>
-        </a:xfrm>
-      </p:grpSpPr>
-      <p:sp>
-        <p:nvSpPr>
-          <p:cNvPr id="2" name="Title 1">
-            <a:extLst>
-              <a:ext uri="{FF2B5EF4-FFF2-40B4-BE49-F238E27FC236}">
                 <a16:creationId xmlns:a16="http://schemas.microsoft.com/office/drawing/2014/main" id="{2D4F9D17-3C35-9D53-41DA-3D950388EDB1}"/>
               </a:ext>
             </a:extLst>
@@ -3842,7 +3823,7 @@
 </p:sld>
 </file>
 
-<file path=ppt/slides/slide15.xml><?xml version="1.0" encoding="utf-8"?>
+<file path=ppt/slides/slide14.xml><?xml version="1.0" encoding="utf-8"?>
 <p:sld xmlns:a="http://schemas.openxmlformats.org/drawingml/2006/main" xmlns:r="http://schemas.openxmlformats.org/officeDocument/2006/relationships" xmlns:p="http://schemas.openxmlformats.org/presentationml/2006/main">
   <p:cSld>
     <p:spTree>
@@ -4428,31 +4409,35 @@
           </a:p>
         </p:txBody>
       </p:sp>
-      <p:sp>
-        <p:nvSpPr>
-          <p:cNvPr id="3" name="Content Placeholder 2">
-            <a:extLst>
-              <a:ext uri="{FF2B5EF4-FFF2-40B4-BE49-F238E27FC236}">
-                <a16:creationId xmlns:a16="http://schemas.microsoft.com/office/drawing/2014/main" id="{90557851-FC6F-1F6D-35D7-0AAD8D89AFCA}"/>
-              </a:ext>
-            </a:extLst>
-          </p:cNvPr>
-          <p:cNvSpPr>
-            <a:spLocks noGrp="1"/>
-          </p:cNvSpPr>
+      <p:pic>
+        <p:nvPicPr>
+          <p:cNvPr id="5" name="Content Placeholder 4">
+            <a:extLst>
+              <a:ext uri="{FF2B5EF4-FFF2-40B4-BE49-F238E27FC236}">
+                <a16:creationId xmlns:a16="http://schemas.microsoft.com/office/drawing/2014/main" id="{0875589D-292E-F365-40B6-EA5F015CE58F}"/>
+              </a:ext>
+            </a:extLst>
+          </p:cNvPr>
+          <p:cNvPicPr>
+            <a:picLocks noGrp="1" noChangeAspect="1"/>
+          </p:cNvPicPr>
           <p:nvPr>
             <p:ph idx="1"/>
           </p:nvPr>
-        </p:nvSpPr>
-        <p:spPr/>
-        <p:txBody>
-          <a:bodyPr/>
-          <a:lstStyle/>
-          <a:p>
-            <a:endParaRPr lang="en-US"/>
-          </a:p>
-        </p:txBody>
-      </p:sp>
+        </p:nvPicPr>
+        <p:blipFill>
+          <a:blip r:embed="rId2"/>
+          <a:stretch>
+            <a:fillRect/>
+          </a:stretch>
+        </p:blipFill>
+        <p:spPr>
+          <a:xfrm>
+            <a:off x="1384054" y="1825625"/>
+            <a:ext cx="9423892" cy="4351338"/>
+          </a:xfrm>
+        </p:spPr>
+      </p:pic>
     </p:spTree>
     <p:extLst>
       <p:ext uri="{BB962C8B-B14F-4D97-AF65-F5344CB8AC3E}">
@@ -4582,40 +4567,125 @@
             <p:ph type="title"/>
           </p:nvPr>
         </p:nvSpPr>
-        <p:spPr/>
-        <p:txBody>
-          <a:bodyPr/>
+        <p:spPr>
+          <a:xfrm>
+            <a:off x="0" y="103366"/>
+            <a:ext cx="5005688" cy="523517"/>
+          </a:xfrm>
+        </p:spPr>
+        <p:txBody>
+          <a:bodyPr>
+            <a:normAutofit fontScale="90000"/>
+          </a:bodyPr>
           <a:lstStyle/>
           <a:p>
             <a:r>
               <a:rPr lang="en-US" dirty="0"/>
-              <a:t>Wireframes (3-6 slides)</a:t>
-            </a:r>
-          </a:p>
-        </p:txBody>
-      </p:sp>
-      <p:sp>
-        <p:nvSpPr>
-          <p:cNvPr id="3" name="Content Placeholder 2">
-            <a:extLst>
-              <a:ext uri="{FF2B5EF4-FFF2-40B4-BE49-F238E27FC236}">
-                <a16:creationId xmlns:a16="http://schemas.microsoft.com/office/drawing/2014/main" id="{5824A905-4AAC-2B71-B132-7DAF7D6FB50C}"/>
-              </a:ext>
-            </a:extLst>
-          </p:cNvPr>
-          <p:cNvSpPr>
-            <a:spLocks noGrp="1"/>
-          </p:cNvSpPr>
+              <a:t>Wireframes - Home</a:t>
+            </a:r>
+          </a:p>
+        </p:txBody>
+      </p:sp>
+      <p:pic>
+        <p:nvPicPr>
+          <p:cNvPr id="9" name="Content Placeholder 8">
+            <a:extLst>
+              <a:ext uri="{FF2B5EF4-FFF2-40B4-BE49-F238E27FC236}">
+                <a16:creationId xmlns:a16="http://schemas.microsoft.com/office/drawing/2014/main" id="{77DD825C-40A6-5920-1547-B5C577BA7C7C}"/>
+              </a:ext>
+            </a:extLst>
+          </p:cNvPr>
+          <p:cNvPicPr>
+            <a:picLocks noGrp="1" noChangeAspect="1"/>
+          </p:cNvPicPr>
           <p:nvPr>
             <p:ph idx="1"/>
           </p:nvPr>
-        </p:nvSpPr>
-        <p:spPr/>
-        <p:txBody>
-          <a:bodyPr/>
-          <a:lstStyle/>
-          <a:p>
-            <a:endParaRPr lang="en-US"/>
+        </p:nvPicPr>
+        <p:blipFill rotWithShape="1">
+          <a:blip r:embed="rId2"/>
+          <a:srcRect t="-1" b="54179"/>
+          <a:stretch/>
+        </p:blipFill>
+        <p:spPr>
+          <a:xfrm>
+            <a:off x="-1" y="824783"/>
+            <a:ext cx="6020615" cy="5513547"/>
+          </a:xfrm>
+          <a:ln>
+            <a:solidFill>
+              <a:schemeClr val="tx1"/>
+            </a:solidFill>
+          </a:ln>
+        </p:spPr>
+      </p:pic>
+      <p:pic>
+        <p:nvPicPr>
+          <p:cNvPr id="11" name="Picture 10">
+            <a:extLst>
+              <a:ext uri="{FF2B5EF4-FFF2-40B4-BE49-F238E27FC236}">
+                <a16:creationId xmlns:a16="http://schemas.microsoft.com/office/drawing/2014/main" id="{3429255F-126E-CA76-5915-D826784689B0}"/>
+              </a:ext>
+            </a:extLst>
+          </p:cNvPr>
+          <p:cNvPicPr>
+            <a:picLocks noChangeAspect="1"/>
+          </p:cNvPicPr>
+          <p:nvPr/>
+        </p:nvPicPr>
+        <p:blipFill rotWithShape="1">
+          <a:blip r:embed="rId2"/>
+          <a:srcRect t="43313"/>
+          <a:stretch/>
+        </p:blipFill>
+        <p:spPr>
+          <a:xfrm>
+            <a:off x="6284890" y="824783"/>
+            <a:ext cx="5907110" cy="5513547"/>
+          </a:xfrm>
+          <a:prstGeom prst="rect">
+            <a:avLst/>
+          </a:prstGeom>
+          <a:ln>
+            <a:solidFill>
+              <a:schemeClr val="tx1"/>
+            </a:solidFill>
+          </a:ln>
+        </p:spPr>
+      </p:pic>
+      <p:sp>
+        <p:nvSpPr>
+          <p:cNvPr id="12" name="TextBox 11">
+            <a:extLst>
+              <a:ext uri="{FF2B5EF4-FFF2-40B4-BE49-F238E27FC236}">
+                <a16:creationId xmlns:a16="http://schemas.microsoft.com/office/drawing/2014/main" id="{1FC23B35-E5D7-19C0-8A0E-998EC1A1D8F5}"/>
+              </a:ext>
+            </a:extLst>
+          </p:cNvPr>
+          <p:cNvSpPr txBox="1"/>
+          <p:nvPr/>
+        </p:nvSpPr>
+        <p:spPr>
+          <a:xfrm>
+            <a:off x="5099027" y="942975"/>
+            <a:ext cx="1185863" cy="307777"/>
+          </a:xfrm>
+          <a:prstGeom prst="rect">
+            <a:avLst/>
+          </a:prstGeom>
+          <a:noFill/>
+        </p:spPr>
+        <p:txBody>
+          <a:bodyPr wrap="square" rtlCol="0">
+            <a:spAutoFit/>
+          </a:bodyPr>
+          <a:lstStyle/>
+          <a:p>
+            <a:r>
+              <a:rPr lang="en-US" sz="1400" dirty="0"/>
+              <a:t>Login</a:t>
+            </a:r>
+            <a:endParaRPr lang="en-US" dirty="0"/>
           </a:p>
         </p:txBody>
       </p:sp>

--- a/Presentation.pptx
+++ b/Presentation.pptx
@@ -274,7 +274,7 @@
           <a:p>
             <a:fld id="{CA74A7C5-AA60-9541-96F3-B9CBE66FF99F}" type="datetimeFigureOut">
               <a:rPr lang="en-US" smtClean="0"/>
-              <a:t>2/16/24</a:t>
+              <a:t>2/16/2024</a:t>
             </a:fld>
             <a:endParaRPr lang="en-US"/>
           </a:p>
@@ -474,7 +474,7 @@
           <a:p>
             <a:fld id="{CA74A7C5-AA60-9541-96F3-B9CBE66FF99F}" type="datetimeFigureOut">
               <a:rPr lang="en-US" smtClean="0"/>
-              <a:t>2/16/24</a:t>
+              <a:t>2/16/2024</a:t>
             </a:fld>
             <a:endParaRPr lang="en-US"/>
           </a:p>
@@ -684,7 +684,7 @@
           <a:p>
             <a:fld id="{CA74A7C5-AA60-9541-96F3-B9CBE66FF99F}" type="datetimeFigureOut">
               <a:rPr lang="en-US" smtClean="0"/>
-              <a:t>2/16/24</a:t>
+              <a:t>2/16/2024</a:t>
             </a:fld>
             <a:endParaRPr lang="en-US"/>
           </a:p>
@@ -884,7 +884,7 @@
           <a:p>
             <a:fld id="{CA74A7C5-AA60-9541-96F3-B9CBE66FF99F}" type="datetimeFigureOut">
               <a:rPr lang="en-US" smtClean="0"/>
-              <a:t>2/16/24</a:t>
+              <a:t>2/16/2024</a:t>
             </a:fld>
             <a:endParaRPr lang="en-US"/>
           </a:p>
@@ -1160,7 +1160,7 @@
           <a:p>
             <a:fld id="{CA74A7C5-AA60-9541-96F3-B9CBE66FF99F}" type="datetimeFigureOut">
               <a:rPr lang="en-US" smtClean="0"/>
-              <a:t>2/16/24</a:t>
+              <a:t>2/16/2024</a:t>
             </a:fld>
             <a:endParaRPr lang="en-US"/>
           </a:p>
@@ -1428,7 +1428,7 @@
           <a:p>
             <a:fld id="{CA74A7C5-AA60-9541-96F3-B9CBE66FF99F}" type="datetimeFigureOut">
               <a:rPr lang="en-US" smtClean="0"/>
-              <a:t>2/16/24</a:t>
+              <a:t>2/16/2024</a:t>
             </a:fld>
             <a:endParaRPr lang="en-US"/>
           </a:p>
@@ -1843,7 +1843,7 @@
           <a:p>
             <a:fld id="{CA74A7C5-AA60-9541-96F3-B9CBE66FF99F}" type="datetimeFigureOut">
               <a:rPr lang="en-US" smtClean="0"/>
-              <a:t>2/16/24</a:t>
+              <a:t>2/16/2024</a:t>
             </a:fld>
             <a:endParaRPr lang="en-US"/>
           </a:p>
@@ -1985,7 +1985,7 @@
           <a:p>
             <a:fld id="{CA74A7C5-AA60-9541-96F3-B9CBE66FF99F}" type="datetimeFigureOut">
               <a:rPr lang="en-US" smtClean="0"/>
-              <a:t>2/16/24</a:t>
+              <a:t>2/16/2024</a:t>
             </a:fld>
             <a:endParaRPr lang="en-US"/>
           </a:p>
@@ -2098,7 +2098,7 @@
           <a:p>
             <a:fld id="{CA74A7C5-AA60-9541-96F3-B9CBE66FF99F}" type="datetimeFigureOut">
               <a:rPr lang="en-US" smtClean="0"/>
-              <a:t>2/16/24</a:t>
+              <a:t>2/16/2024</a:t>
             </a:fld>
             <a:endParaRPr lang="en-US"/>
           </a:p>
@@ -2411,7 +2411,7 @@
           <a:p>
             <a:fld id="{CA74A7C5-AA60-9541-96F3-B9CBE66FF99F}" type="datetimeFigureOut">
               <a:rPr lang="en-US" smtClean="0"/>
-              <a:t>2/16/24</a:t>
+              <a:t>2/16/2024</a:t>
             </a:fld>
             <a:endParaRPr lang="en-US"/>
           </a:p>
@@ -2700,7 +2700,7 @@
           <a:p>
             <a:fld id="{CA74A7C5-AA60-9541-96F3-B9CBE66FF99F}" type="datetimeFigureOut">
               <a:rPr lang="en-US" smtClean="0"/>
-              <a:t>2/16/24</a:t>
+              <a:t>2/16/2024</a:t>
             </a:fld>
             <a:endParaRPr lang="en-US"/>
           </a:p>
@@ -2943,7 +2943,7 @@
           <a:p>
             <a:fld id="{CA74A7C5-AA60-9541-96F3-B9CBE66FF99F}" type="datetimeFigureOut">
               <a:rPr lang="en-US" smtClean="0"/>
-              <a:t>2/16/24</a:t>
+              <a:t>2/16/2024</a:t>
             </a:fld>
             <a:endParaRPr lang="en-US"/>
           </a:p>
@@ -3969,13 +3969,76 @@
         </p:nvSpPr>
         <p:spPr/>
         <p:txBody>
-          <a:bodyPr/>
-          <a:lstStyle/>
-          <a:p>
-            <a:endParaRPr lang="en-US"/>
-          </a:p>
-        </p:txBody>
-      </p:sp>
+          <a:bodyPr>
+            <a:normAutofit/>
+          </a:bodyPr>
+          <a:lstStyle/>
+          <a:p>
+            <a:r>
+              <a:rPr lang="en-GB" kern="150" dirty="0">
+                <a:effectLst/>
+                <a:latin typeface="Calibri" panose="020F0502020204030204" pitchFamily="34" charset="0"/>
+                <a:ea typeface="Calibri" panose="020F0502020204030204" pitchFamily="34" charset="0"/>
+                <a:cs typeface="Times New Roman" panose="02020603050405020304" pitchFamily="18" charset="0"/>
+              </a:rPr>
+              <a:t>Users can write reviews for music i.e. albums, singles, eps and gigs. The user can choose to review music that is already in the website’s database or add new music to the database.</a:t>
+            </a:r>
+          </a:p>
+          <a:p>
+            <a:pPr marL="0" indent="0">
+              <a:buNone/>
+            </a:pPr>
+            <a:endParaRPr lang="en-US" sz="4000" dirty="0"/>
+          </a:p>
+        </p:txBody>
+      </p:sp>
+      <p:pic>
+        <p:nvPicPr>
+          <p:cNvPr id="1026" name="Picture 2" descr="600+ Free Vinyl Record &amp; Vinyl Images - Pixabay">
+            <a:extLst>
+              <a:ext uri="{FF2B5EF4-FFF2-40B4-BE49-F238E27FC236}">
+                <a16:creationId xmlns:a16="http://schemas.microsoft.com/office/drawing/2014/main" id="{49207CD3-0461-89C8-D836-1AC2F846FCF0}"/>
+              </a:ext>
+            </a:extLst>
+          </p:cNvPr>
+          <p:cNvPicPr>
+            <a:picLocks noChangeAspect="1" noChangeArrowheads="1"/>
+          </p:cNvPicPr>
+          <p:nvPr/>
+        </p:nvPicPr>
+        <p:blipFill>
+          <a:blip r:embed="rId2">
+            <a:extLst>
+              <a:ext uri="{28A0092B-C50C-407E-A947-70E740481C1C}">
+                <a14:useLocalDpi xmlns:a14="http://schemas.microsoft.com/office/drawing/2010/main" val="0"/>
+              </a:ext>
+            </a:extLst>
+          </a:blip>
+          <a:srcRect/>
+          <a:stretch>
+            <a:fillRect/>
+          </a:stretch>
+        </p:blipFill>
+        <p:spPr bwMode="auto">
+          <a:xfrm>
+            <a:off x="8322593" y="3190461"/>
+            <a:ext cx="4220590" cy="4042534"/>
+          </a:xfrm>
+          <a:prstGeom prst="rect">
+            <a:avLst/>
+          </a:prstGeom>
+          <a:noFill/>
+          <a:extLst>
+            <a:ext uri="{909E8E84-426E-40DD-AFC4-6F175D3DCCD1}">
+              <a14:hiddenFill xmlns:a14="http://schemas.microsoft.com/office/drawing/2010/main">
+                <a:solidFill>
+                  <a:srgbClr val="FFFFFF"/>
+                </a:solidFill>
+              </a14:hiddenFill>
+            </a:ext>
+          </a:extLst>
+        </p:spPr>
+      </p:pic>
     </p:spTree>
     <p:extLst>
       <p:ext uri="{BB962C8B-B14F-4D97-AF65-F5344CB8AC3E}">
